--- a/L05/Java Лекция 05 Чибриков.pptx
+++ b/L05/Java Лекция 05 Чибриков.pptx
@@ -49,14 +49,14 @@
   <p:notesSz cx="6858000" cy="9144000"/>
   <p:embeddedFontLst>
     <p:embeddedFont>
-      <p:font typeface="PF Isotext Pro" pitchFamily="2" charset="0"/>
+      <p:font typeface="PF Isotext Pro" panose="02000500000000020004" pitchFamily="2" charset="0"/>
       <p:regular r:id="rId39"/>
       <p:bold r:id="rId40"/>
       <p:italic r:id="rId41"/>
       <p:boldItalic r:id="rId42"/>
     </p:embeddedFont>
     <p:embeddedFont>
-      <p:font typeface="Calibri" pitchFamily="34" charset="0"/>
+      <p:font typeface="Calibri" panose="020F0502020204030204" pitchFamily="34" charset="0"/>
       <p:regular r:id="rId43"/>
       <p:bold r:id="rId44"/>
       <p:italic r:id="rId45"/>
@@ -413,7 +413,7 @@
     </p:spTree>
     <p:extLst>
       <p:ext uri="{BB962C8B-B14F-4D97-AF65-F5344CB8AC3E}">
-        <p14:creationId xmlns:p14="http://schemas.microsoft.com/office/powerpoint/2010/main" xmlns="" val="3471318463"/>
+        <p14:creationId xmlns:p14="http://schemas.microsoft.com/office/powerpoint/2010/main" val="3471318463"/>
       </p:ext>
     </p:extLst>
   </p:cSld>
@@ -629,7 +629,7 @@
           <a:blip r:embed="rId2" cstate="print">
             <a:extLst>
               <a:ext uri="{28A0092B-C50C-407E-A947-70E740481C1C}">
-                <a14:useLocalDpi xmlns:a14="http://schemas.microsoft.com/office/drawing/2010/main" xmlns="" val="0"/>
+                <a14:useLocalDpi xmlns:a14="http://schemas.microsoft.com/office/drawing/2010/main" val="0"/>
               </a:ext>
             </a:extLst>
           </a:blip>
@@ -801,7 +801,7 @@
     </p:spTree>
     <p:extLst>
       <p:ext uri="{BB962C8B-B14F-4D97-AF65-F5344CB8AC3E}">
-        <p14:creationId xmlns:p14="http://schemas.microsoft.com/office/powerpoint/2010/main" xmlns="" val="2102920203"/>
+        <p14:creationId xmlns:p14="http://schemas.microsoft.com/office/powerpoint/2010/main" val="2102920203"/>
       </p:ext>
     </p:extLst>
   </p:cSld>
@@ -861,7 +861,7 @@
     </p:spTree>
     <p:extLst>
       <p:ext uri="{BB962C8B-B14F-4D97-AF65-F5344CB8AC3E}">
-        <p14:creationId xmlns:p14="http://schemas.microsoft.com/office/powerpoint/2010/main" xmlns="" val="761962019"/>
+        <p14:creationId xmlns:p14="http://schemas.microsoft.com/office/powerpoint/2010/main" val="761962019"/>
       </p:ext>
     </p:extLst>
   </p:cSld>
@@ -936,7 +936,7 @@
           <a:blip r:embed="rId2" cstate="print">
             <a:extLst>
               <a:ext uri="{28A0092B-C50C-407E-A947-70E740481C1C}">
-                <a14:useLocalDpi xmlns:a14="http://schemas.microsoft.com/office/drawing/2010/main" xmlns="" val="0"/>
+                <a14:useLocalDpi xmlns:a14="http://schemas.microsoft.com/office/drawing/2010/main" val="0"/>
               </a:ext>
             </a:extLst>
           </a:blip>
@@ -1085,7 +1085,7 @@
     </p:spTree>
     <p:extLst>
       <p:ext uri="{BB962C8B-B14F-4D97-AF65-F5344CB8AC3E}">
-        <p14:creationId xmlns:p14="http://schemas.microsoft.com/office/powerpoint/2010/main" xmlns="" val="3084623788"/>
+        <p14:creationId xmlns:p14="http://schemas.microsoft.com/office/powerpoint/2010/main" val="3084623788"/>
       </p:ext>
     </p:extLst>
   </p:cSld>
@@ -1328,7 +1328,7 @@
     </p:spTree>
     <p:extLst>
       <p:ext uri="{BB962C8B-B14F-4D97-AF65-F5344CB8AC3E}">
-        <p14:creationId xmlns:p14="http://schemas.microsoft.com/office/powerpoint/2010/main" xmlns="" val="3290706670"/>
+        <p14:creationId xmlns:p14="http://schemas.microsoft.com/office/powerpoint/2010/main" val="3290706670"/>
       </p:ext>
     </p:extLst>
   </p:cSld>
@@ -1604,7 +1604,7 @@
           <a:blip r:embed="rId2" cstate="print">
             <a:extLst>
               <a:ext uri="{28A0092B-C50C-407E-A947-70E740481C1C}">
-                <a14:useLocalDpi xmlns:a14="http://schemas.microsoft.com/office/drawing/2010/main" xmlns="" val="0"/>
+                <a14:useLocalDpi xmlns:a14="http://schemas.microsoft.com/office/drawing/2010/main" val="0"/>
               </a:ext>
             </a:extLst>
           </a:blip>
@@ -1633,7 +1633,7 @@
           <a:blip r:embed="rId3" cstate="print">
             <a:extLst>
               <a:ext uri="{28A0092B-C50C-407E-A947-70E740481C1C}">
-                <a14:useLocalDpi xmlns:a14="http://schemas.microsoft.com/office/drawing/2010/main" xmlns="" val="0"/>
+                <a14:useLocalDpi xmlns:a14="http://schemas.microsoft.com/office/drawing/2010/main" val="0"/>
               </a:ext>
             </a:extLst>
           </a:blip>
@@ -1653,7 +1653,7 @@
     </p:spTree>
     <p:extLst>
       <p:ext uri="{BB962C8B-B14F-4D97-AF65-F5344CB8AC3E}">
-        <p14:creationId xmlns:p14="http://schemas.microsoft.com/office/powerpoint/2010/main" xmlns="" val="3091049509"/>
+        <p14:creationId xmlns:p14="http://schemas.microsoft.com/office/powerpoint/2010/main" val="3091049509"/>
       </p:ext>
     </p:extLst>
   </p:cSld>
@@ -1862,7 +1862,7 @@
     </p:spTree>
     <p:extLst>
       <p:ext uri="{BB962C8B-B14F-4D97-AF65-F5344CB8AC3E}">
-        <p14:creationId xmlns:p14="http://schemas.microsoft.com/office/powerpoint/2010/main" xmlns="" val="593349863"/>
+        <p14:creationId xmlns:p14="http://schemas.microsoft.com/office/powerpoint/2010/main" val="593349863"/>
       </p:ext>
     </p:extLst>
   </p:cSld>
@@ -2143,7 +2143,7 @@
     </p:spTree>
     <p:extLst>
       <p:ext uri="{BB962C8B-B14F-4D97-AF65-F5344CB8AC3E}">
-        <p14:creationId xmlns:p14="http://schemas.microsoft.com/office/powerpoint/2010/main" xmlns="" val="3043912556"/>
+        <p14:creationId xmlns:p14="http://schemas.microsoft.com/office/powerpoint/2010/main" val="3043912556"/>
       </p:ext>
     </p:extLst>
   </p:cSld>
@@ -2460,7 +2460,7 @@
     </p:spTree>
     <p:extLst>
       <p:ext uri="{BB962C8B-B14F-4D97-AF65-F5344CB8AC3E}">
-        <p14:creationId xmlns:p14="http://schemas.microsoft.com/office/powerpoint/2010/main" xmlns="" val="3040707192"/>
+        <p14:creationId xmlns:p14="http://schemas.microsoft.com/office/powerpoint/2010/main" val="3040707192"/>
       </p:ext>
     </p:extLst>
   </p:cSld>
@@ -2768,7 +2768,7 @@
     </p:spTree>
     <p:extLst>
       <p:ext uri="{BB962C8B-B14F-4D97-AF65-F5344CB8AC3E}">
-        <p14:creationId xmlns:p14="http://schemas.microsoft.com/office/powerpoint/2010/main" xmlns="" val="1999681383"/>
+        <p14:creationId xmlns:p14="http://schemas.microsoft.com/office/powerpoint/2010/main" val="1999681383"/>
       </p:ext>
     </p:extLst>
   </p:cSld>
@@ -3102,7 +3102,7 @@
     </p:spTree>
     <p:extLst>
       <p:ext uri="{BB962C8B-B14F-4D97-AF65-F5344CB8AC3E}">
-        <p14:creationId xmlns:p14="http://schemas.microsoft.com/office/powerpoint/2010/main" xmlns="" val="4005144357"/>
+        <p14:creationId xmlns:p14="http://schemas.microsoft.com/office/powerpoint/2010/main" val="4005144357"/>
       </p:ext>
     </p:extLst>
   </p:cSld>
@@ -3191,7 +3191,7 @@
     </p:spTree>
     <p:extLst>
       <p:ext uri="{BB962C8B-B14F-4D97-AF65-F5344CB8AC3E}">
-        <p14:creationId xmlns:p14="http://schemas.microsoft.com/office/powerpoint/2010/main" xmlns="" val="3039439757"/>
+        <p14:creationId xmlns:p14="http://schemas.microsoft.com/office/powerpoint/2010/main" val="3039439757"/>
       </p:ext>
     </p:extLst>
   </p:cSld>
@@ -3235,7 +3235,7 @@
           <a:blip r:embed="rId13" cstate="print">
             <a:extLst>
               <a:ext uri="{28A0092B-C50C-407E-A947-70E740481C1C}">
-                <a14:useLocalDpi xmlns:a14="http://schemas.microsoft.com/office/drawing/2010/main" xmlns="" val="0"/>
+                <a14:useLocalDpi xmlns:a14="http://schemas.microsoft.com/office/drawing/2010/main" val="0"/>
               </a:ext>
             </a:extLst>
           </a:blip>
@@ -3415,7 +3415,7 @@
           <a:blip r:embed="rId14" cstate="print">
             <a:extLst>
               <a:ext uri="{28A0092B-C50C-407E-A947-70E740481C1C}">
-                <a14:useLocalDpi xmlns:a14="http://schemas.microsoft.com/office/drawing/2010/main" xmlns="" val="0"/>
+                <a14:useLocalDpi xmlns:a14="http://schemas.microsoft.com/office/drawing/2010/main" val="0"/>
               </a:ext>
             </a:extLst>
           </a:blip>
@@ -3468,7 +3468,7 @@
     </p:spTree>
     <p:extLst>
       <p:ext uri="{BB962C8B-B14F-4D97-AF65-F5344CB8AC3E}">
-        <p14:creationId xmlns:p14="http://schemas.microsoft.com/office/powerpoint/2010/main" xmlns="" val="2105484951"/>
+        <p14:creationId xmlns:p14="http://schemas.microsoft.com/office/powerpoint/2010/main" val="2105484951"/>
       </p:ext>
     </p:extLst>
   </p:cSld>
@@ -3877,7 +3877,7 @@
     </p:spTree>
     <p:extLst>
       <p:ext uri="{BB962C8B-B14F-4D97-AF65-F5344CB8AC3E}">
-        <p14:creationId xmlns:p14="http://schemas.microsoft.com/office/powerpoint/2010/main" xmlns="" val="1679606726"/>
+        <p14:creationId xmlns:p14="http://schemas.microsoft.com/office/powerpoint/2010/main" val="1679606726"/>
       </p:ext>
     </p:extLst>
   </p:cSld>
@@ -4984,7 +4984,7 @@
     </p:spTree>
     <p:extLst>
       <p:ext uri="{BB962C8B-B14F-4D97-AF65-F5344CB8AC3E}">
-        <p14:creationId xmlns:p14="http://schemas.microsoft.com/office/powerpoint/2010/main" xmlns="" val="2216573497"/>
+        <p14:creationId xmlns:p14="http://schemas.microsoft.com/office/powerpoint/2010/main" val="2216573497"/>
       </p:ext>
     </p:extLst>
   </p:cSld>
@@ -5415,7 +5415,7 @@
     </p:spTree>
     <p:extLst>
       <p:ext uri="{BB962C8B-B14F-4D97-AF65-F5344CB8AC3E}">
-        <p14:creationId xmlns:p14="http://schemas.microsoft.com/office/powerpoint/2010/main" xmlns="" val="2114089412"/>
+        <p14:creationId xmlns:p14="http://schemas.microsoft.com/office/powerpoint/2010/main" val="2114089412"/>
       </p:ext>
     </p:extLst>
   </p:cSld>
@@ -5840,7 +5840,7 @@
     </p:spTree>
     <p:extLst>
       <p:ext uri="{BB962C8B-B14F-4D97-AF65-F5344CB8AC3E}">
-        <p14:creationId xmlns:p14="http://schemas.microsoft.com/office/powerpoint/2010/main" xmlns="" val="4031854299"/>
+        <p14:creationId xmlns:p14="http://schemas.microsoft.com/office/powerpoint/2010/main" val="4031854299"/>
       </p:ext>
     </p:extLst>
   </p:cSld>
@@ -6359,7 +6359,7 @@
     </p:spTree>
     <p:extLst>
       <p:ext uri="{BB962C8B-B14F-4D97-AF65-F5344CB8AC3E}">
-        <p14:creationId xmlns:p14="http://schemas.microsoft.com/office/powerpoint/2010/main" xmlns="" val="1052795835"/>
+        <p14:creationId xmlns:p14="http://schemas.microsoft.com/office/powerpoint/2010/main" val="1052795835"/>
       </p:ext>
     </p:extLst>
   </p:cSld>
@@ -6887,7 +6887,7 @@
     </p:spTree>
     <p:extLst>
       <p:ext uri="{BB962C8B-B14F-4D97-AF65-F5344CB8AC3E}">
-        <p14:creationId xmlns:p14="http://schemas.microsoft.com/office/powerpoint/2010/main" xmlns="" val="291072879"/>
+        <p14:creationId xmlns:p14="http://schemas.microsoft.com/office/powerpoint/2010/main" val="291072879"/>
       </p:ext>
     </p:extLst>
   </p:cSld>
@@ -7757,7 +7757,7 @@
     </p:spTree>
     <p:extLst>
       <p:ext uri="{BB962C8B-B14F-4D97-AF65-F5344CB8AC3E}">
-        <p14:creationId xmlns:p14="http://schemas.microsoft.com/office/powerpoint/2010/main" xmlns="" val="405970267"/>
+        <p14:creationId xmlns:p14="http://schemas.microsoft.com/office/powerpoint/2010/main" val="405970267"/>
       </p:ext>
     </p:extLst>
   </p:cSld>
@@ -8300,7 +8300,7 @@
     </p:spTree>
     <p:extLst>
       <p:ext uri="{BB962C8B-B14F-4D97-AF65-F5344CB8AC3E}">
-        <p14:creationId xmlns:p14="http://schemas.microsoft.com/office/powerpoint/2010/main" xmlns="" val="854588173"/>
+        <p14:creationId xmlns:p14="http://schemas.microsoft.com/office/powerpoint/2010/main" val="854588173"/>
       </p:ext>
     </p:extLst>
   </p:cSld>
@@ -8949,7 +8949,7 @@
     </p:spTree>
     <p:extLst>
       <p:ext uri="{BB962C8B-B14F-4D97-AF65-F5344CB8AC3E}">
-        <p14:creationId xmlns:p14="http://schemas.microsoft.com/office/powerpoint/2010/main" xmlns="" val="2364149679"/>
+        <p14:creationId xmlns:p14="http://schemas.microsoft.com/office/powerpoint/2010/main" val="2364149679"/>
       </p:ext>
     </p:extLst>
   </p:cSld>
@@ -9378,7 +9378,7 @@
     </p:spTree>
     <p:extLst>
       <p:ext uri="{BB962C8B-B14F-4D97-AF65-F5344CB8AC3E}">
-        <p14:creationId xmlns:p14="http://schemas.microsoft.com/office/powerpoint/2010/main" xmlns="" val="4084275116"/>
+        <p14:creationId xmlns:p14="http://schemas.microsoft.com/office/powerpoint/2010/main" val="4084275116"/>
       </p:ext>
     </p:extLst>
   </p:cSld>
@@ -9878,7 +9878,7 @@
     </p:spTree>
     <p:extLst>
       <p:ext uri="{BB962C8B-B14F-4D97-AF65-F5344CB8AC3E}">
-        <p14:creationId xmlns:p14="http://schemas.microsoft.com/office/powerpoint/2010/main" xmlns="" val="2339347298"/>
+        <p14:creationId xmlns:p14="http://schemas.microsoft.com/office/powerpoint/2010/main" val="2339347298"/>
       </p:ext>
     </p:extLst>
   </p:cSld>
@@ -10274,7 +10274,7 @@
     </p:spTree>
     <p:extLst>
       <p:ext uri="{BB962C8B-B14F-4D97-AF65-F5344CB8AC3E}">
-        <p14:creationId xmlns:p14="http://schemas.microsoft.com/office/powerpoint/2010/main" xmlns="" val="3100737866"/>
+        <p14:creationId xmlns:p14="http://schemas.microsoft.com/office/powerpoint/2010/main" val="3100737866"/>
       </p:ext>
     </p:extLst>
   </p:cSld>
@@ -10666,7 +10666,7 @@
     </p:spTree>
     <p:extLst>
       <p:ext uri="{BB962C8B-B14F-4D97-AF65-F5344CB8AC3E}">
-        <p14:creationId xmlns:p14="http://schemas.microsoft.com/office/powerpoint/2010/main" xmlns="" val="1454541762"/>
+        <p14:creationId xmlns:p14="http://schemas.microsoft.com/office/powerpoint/2010/main" val="1454541762"/>
       </p:ext>
     </p:extLst>
   </p:cSld>
@@ -11078,7 +11078,7 @@
     </p:spTree>
     <p:extLst>
       <p:ext uri="{BB962C8B-B14F-4D97-AF65-F5344CB8AC3E}">
-        <p14:creationId xmlns:p14="http://schemas.microsoft.com/office/powerpoint/2010/main" xmlns="" val="4031854299"/>
+        <p14:creationId xmlns:p14="http://schemas.microsoft.com/office/powerpoint/2010/main" val="4031854299"/>
       </p:ext>
     </p:extLst>
   </p:cSld>
@@ -11577,7 +11577,7 @@
     </p:spTree>
     <p:extLst>
       <p:ext uri="{BB962C8B-B14F-4D97-AF65-F5344CB8AC3E}">
-        <p14:creationId xmlns:p14="http://schemas.microsoft.com/office/powerpoint/2010/main" xmlns="" val="257777779"/>
+        <p14:creationId xmlns:p14="http://schemas.microsoft.com/office/powerpoint/2010/main" val="257777779"/>
       </p:ext>
     </p:extLst>
   </p:cSld>
@@ -12122,7 +12122,7 @@
     </p:spTree>
     <p:extLst>
       <p:ext uri="{BB962C8B-B14F-4D97-AF65-F5344CB8AC3E}">
-        <p14:creationId xmlns:p14="http://schemas.microsoft.com/office/powerpoint/2010/main" xmlns="" val="236219564"/>
+        <p14:creationId xmlns:p14="http://schemas.microsoft.com/office/powerpoint/2010/main" val="236219564"/>
       </p:ext>
     </p:extLst>
   </p:cSld>
@@ -13574,7 +13574,7 @@
     </p:spTree>
     <p:extLst>
       <p:ext uri="{BB962C8B-B14F-4D97-AF65-F5344CB8AC3E}">
-        <p14:creationId xmlns:p14="http://schemas.microsoft.com/office/powerpoint/2010/main" xmlns="" val="2357394654"/>
+        <p14:creationId xmlns:p14="http://schemas.microsoft.com/office/powerpoint/2010/main" val="2357394654"/>
       </p:ext>
     </p:extLst>
   </p:cSld>
@@ -15213,7 +15213,7 @@
     </p:spTree>
     <p:extLst>
       <p:ext uri="{BB962C8B-B14F-4D97-AF65-F5344CB8AC3E}">
-        <p14:creationId xmlns:p14="http://schemas.microsoft.com/office/powerpoint/2010/main" xmlns="" val="3940336174"/>
+        <p14:creationId xmlns:p14="http://schemas.microsoft.com/office/powerpoint/2010/main" val="3940336174"/>
       </p:ext>
     </p:extLst>
   </p:cSld>
@@ -15611,7 +15611,7 @@
     </p:spTree>
     <p:extLst>
       <p:ext uri="{BB962C8B-B14F-4D97-AF65-F5344CB8AC3E}">
-        <p14:creationId xmlns:p14="http://schemas.microsoft.com/office/powerpoint/2010/main" xmlns="" val="4031854299"/>
+        <p14:creationId xmlns:p14="http://schemas.microsoft.com/office/powerpoint/2010/main" val="4031854299"/>
       </p:ext>
     </p:extLst>
   </p:cSld>
@@ -15947,7 +15947,7 @@
     </p:spTree>
     <p:extLst>
       <p:ext uri="{BB962C8B-B14F-4D97-AF65-F5344CB8AC3E}">
-        <p14:creationId xmlns:p14="http://schemas.microsoft.com/office/powerpoint/2010/main" xmlns="" val="211479991"/>
+        <p14:creationId xmlns:p14="http://schemas.microsoft.com/office/powerpoint/2010/main" val="211479991"/>
       </p:ext>
     </p:extLst>
   </p:cSld>
@@ -16349,7 +16349,7 @@
     </p:spTree>
     <p:extLst>
       <p:ext uri="{BB962C8B-B14F-4D97-AF65-F5344CB8AC3E}">
-        <p14:creationId xmlns:p14="http://schemas.microsoft.com/office/powerpoint/2010/main" xmlns="" val="4031854299"/>
+        <p14:creationId xmlns:p14="http://schemas.microsoft.com/office/powerpoint/2010/main" val="4031854299"/>
       </p:ext>
     </p:extLst>
   </p:cSld>
@@ -16513,43 +16513,28 @@
                 </a:solidFill>
                 <a:latin typeface="PF Isotext Pro" pitchFamily="2" charset="0"/>
               </a:rPr>
-              <a:t>a</a:t>
-            </a:r>
-            <a:r>
-              <a:rPr lang="en-US" sz="2800" dirty="0" err="1" smtClean="0">
+              <a:t>admin?shutdown</a:t>
+            </a:r>
+            <a:r>
+              <a:rPr lang="en-US" sz="2800" dirty="0" smtClean="0">
                 <a:solidFill>
                   <a:srgbClr val="C00000"/>
                 </a:solidFill>
                 <a:latin typeface="PF Isotext Pro" pitchFamily="2" charset="0"/>
               </a:rPr>
-              <a:t>dmin?shutdown</a:t>
+              <a:t>=1000</a:t>
+            </a:r>
+            <a:r>
+              <a:rPr lang="ru-RU" sz="2800" dirty="0" smtClean="0">
+                <a:latin typeface="PF Isotext Pro" pitchFamily="2" charset="0"/>
+              </a:rPr>
+              <a:t> </a:t>
             </a:r>
             <a:r>
               <a:rPr lang="en-US" sz="2800" dirty="0" smtClean="0">
-                <a:solidFill>
-                  <a:srgbClr val="C00000"/>
-                </a:solidFill>
-                <a:latin typeface="PF Isotext Pro" pitchFamily="2" charset="0"/>
-              </a:rPr>
-              <a:t>=1000</a:t>
-            </a:r>
-            <a:r>
-              <a:rPr lang="ru-RU" sz="2800" dirty="0" smtClean="0">
-                <a:latin typeface="PF Isotext Pro" pitchFamily="2" charset="0"/>
-              </a:rPr>
-              <a:t> </a:t>
-            </a:r>
-            <a:r>
-              <a:rPr lang="en-US" sz="2800" dirty="0" smtClean="0">
-                <a:latin typeface="PF Isotext Pro" pitchFamily="2" charset="0"/>
-              </a:rPr>
-              <a:t>– </a:t>
-            </a:r>
-            <a:r>
-              <a:rPr lang="en-US" sz="2800" dirty="0" smtClean="0">
-                <a:latin typeface="PF Isotext Pro" pitchFamily="2" charset="0"/>
-              </a:rPr>
-              <a:t>stop </a:t>
+                <a:latin typeface="PF Isotext Pro" pitchFamily="2" charset="0"/>
+              </a:rPr>
+              <a:t>– stop </a:t>
             </a:r>
             <a:r>
               <a:rPr lang="ru-RU" sz="2800" dirty="0" smtClean="0">
@@ -16566,7 +16551,7 @@
     </p:spTree>
     <p:extLst>
       <p:ext uri="{BB962C8B-B14F-4D97-AF65-F5344CB8AC3E}">
-        <p14:creationId xmlns:p14="http://schemas.microsoft.com/office/powerpoint/2010/main" xmlns="" val="211479991"/>
+        <p14:creationId xmlns:p14="http://schemas.microsoft.com/office/powerpoint/2010/main" val="211479991"/>
       </p:ext>
     </p:extLst>
   </p:cSld>
@@ -17100,7 +17085,7 @@
     </p:spTree>
     <p:extLst>
       <p:ext uri="{BB962C8B-B14F-4D97-AF65-F5344CB8AC3E}">
-        <p14:creationId xmlns:p14="http://schemas.microsoft.com/office/powerpoint/2010/main" xmlns="" val="1511906712"/>
+        <p14:creationId xmlns:p14="http://schemas.microsoft.com/office/powerpoint/2010/main" val="1511906712"/>
       </p:ext>
     </p:extLst>
   </p:cSld>
@@ -17216,19 +17201,7 @@
               <a:rPr lang="ru-RU" sz="2800" dirty="0" smtClean="0">
                 <a:latin typeface="PF Isotext Pro" pitchFamily="2" charset="0"/>
               </a:rPr>
-              <a:t>Запуск </a:t>
-            </a:r>
-            <a:r>
-              <a:rPr lang="ru-RU" sz="2800" dirty="0" smtClean="0">
-                <a:latin typeface="PF Isotext Pro" pitchFamily="2" charset="0"/>
-              </a:rPr>
-              <a:t>в</a:t>
-            </a:r>
-            <a:r>
-              <a:rPr lang="ru-RU" sz="2800" dirty="0" smtClean="0">
-                <a:latin typeface="PF Isotext Pro" pitchFamily="2" charset="0"/>
-              </a:rPr>
-              <a:t> </a:t>
+              <a:t>Запуск в </a:t>
             </a:r>
             <a:r>
               <a:rPr lang="en-US" sz="2800" dirty="0" smtClean="0">
@@ -17236,9 +17209,6 @@
               </a:rPr>
               <a:t>IDEA:</a:t>
             </a:r>
-            <a:endParaRPr lang="en-US" sz="2800" dirty="0" smtClean="0">
-              <a:latin typeface="PF Isotext Pro" pitchFamily="2" charset="0"/>
-            </a:endParaRPr>
           </a:p>
         </p:txBody>
       </p:sp>
@@ -17288,9 +17258,6 @@
               </a:rPr>
               <a:t>: 8080</a:t>
             </a:r>
-            <a:endParaRPr lang="en-US" sz="2800" dirty="0" smtClean="0">
-              <a:latin typeface="PF Isotext Pro" pitchFamily="2" charset="0"/>
-            </a:endParaRPr>
           </a:p>
         </p:txBody>
       </p:sp>
@@ -17328,9 +17295,6 @@
               </a:rPr>
               <a:t>:</a:t>
             </a:r>
-            <a:endParaRPr lang="en-US" sz="2800" dirty="0" smtClean="0">
-              <a:latin typeface="PF Isotext Pro" pitchFamily="2" charset="0"/>
-            </a:endParaRPr>
           </a:p>
         </p:txBody>
       </p:sp>
@@ -17357,10 +17321,22 @@
           <a:lstStyle/>
           <a:p>
             <a:r>
+              <a:rPr lang="en-US" sz="2800" dirty="0">
+                <a:latin typeface="PF Isotext Pro" pitchFamily="2" charset="0"/>
+              </a:rPr>
+              <a:t>j</a:t>
+            </a:r>
+            <a:r>
               <a:rPr lang="en-US" sz="2800" dirty="0" smtClean="0">
                 <a:latin typeface="PF Isotext Pro" pitchFamily="2" charset="0"/>
               </a:rPr>
-              <a:t>Java –</a:t>
+              <a:t>ava </a:t>
+            </a:r>
+            <a:r>
+              <a:rPr lang="en-US" sz="2800" dirty="0" smtClean="0">
+                <a:latin typeface="PF Isotext Pro" pitchFamily="2" charset="0"/>
+              </a:rPr>
+              <a:t>–</a:t>
             </a:r>
             <a:r>
               <a:rPr lang="en-US" sz="2800" dirty="0" err="1" smtClean="0">
@@ -17386,16 +17362,13 @@
               </a:rPr>
               <a:t> 8080</a:t>
             </a:r>
-            <a:endParaRPr lang="en-US" sz="2800" dirty="0" smtClean="0">
-              <a:latin typeface="PF Isotext Pro" pitchFamily="2" charset="0"/>
-            </a:endParaRPr>
           </a:p>
         </p:txBody>
       </p:sp>
     </p:spTree>
     <p:extLst>
       <p:ext uri="{BB962C8B-B14F-4D97-AF65-F5344CB8AC3E}">
-        <p14:creationId xmlns:p14="http://schemas.microsoft.com/office/powerpoint/2010/main" xmlns="" val="211479991"/>
+        <p14:creationId xmlns:p14="http://schemas.microsoft.com/office/powerpoint/2010/main" val="211479991"/>
       </p:ext>
     </p:extLst>
   </p:cSld>
@@ -17693,19 +17666,7 @@
               <a:rPr lang="en-US" dirty="0" smtClean="0">
                 <a:latin typeface="Myriad Pro"/>
               </a:rPr>
-              <a:t>  </a:t>
-            </a:r>
-            <a:r>
-              <a:rPr lang="en-US" dirty="0" smtClean="0">
-                <a:latin typeface="Myriad Pro"/>
-              </a:rPr>
-              <a:t>&lt;/</a:t>
-            </a:r>
-            <a:r>
-              <a:rPr lang="en-US" dirty="0" smtClean="0">
-                <a:latin typeface="Myriad Pro"/>
-              </a:rPr>
-              <a:t>properties&gt;</a:t>
+              <a:t>  &lt;/properties&gt;</a:t>
             </a:r>
             <a:endParaRPr lang="en-US" dirty="0">
               <a:latin typeface="Myriad Pro"/>
@@ -17716,7 +17677,7 @@
     </p:spTree>
     <p:extLst>
       <p:ext uri="{BB962C8B-B14F-4D97-AF65-F5344CB8AC3E}">
-        <p14:creationId xmlns:p14="http://schemas.microsoft.com/office/powerpoint/2010/main" xmlns="" val="211479991"/>
+        <p14:creationId xmlns:p14="http://schemas.microsoft.com/office/powerpoint/2010/main" val="211479991"/>
       </p:ext>
     </p:extLst>
   </p:cSld>
@@ -18112,19 +18073,7 @@
               <a:rPr lang="en-US" dirty="0" smtClean="0">
                 <a:latin typeface="Myriad Pro"/>
               </a:rPr>
-              <a:t> </a:t>
-            </a:r>
-            <a:r>
-              <a:rPr lang="en-US" dirty="0" smtClean="0">
-                <a:latin typeface="Myriad Pro"/>
-              </a:rPr>
-              <a:t>&lt;/</a:t>
-            </a:r>
-            <a:r>
-              <a:rPr lang="en-US" dirty="0" smtClean="0">
-                <a:latin typeface="Myriad Pro"/>
-              </a:rPr>
-              <a:t>build&gt;</a:t>
+              <a:t> &lt;/build&gt;</a:t>
             </a:r>
             <a:endParaRPr lang="en-US" dirty="0">
               <a:latin typeface="Myriad Pro"/>
@@ -18135,7 +18084,7 @@
     </p:spTree>
     <p:extLst>
       <p:ext uri="{BB962C8B-B14F-4D97-AF65-F5344CB8AC3E}">
-        <p14:creationId xmlns:p14="http://schemas.microsoft.com/office/powerpoint/2010/main" xmlns="" val="211479991"/>
+        <p14:creationId xmlns:p14="http://schemas.microsoft.com/office/powerpoint/2010/main" val="211479991"/>
       </p:ext>
     </p:extLst>
   </p:cSld>
@@ -18247,13 +18196,7 @@
               <a:rPr lang="en-US" sz="2800" dirty="0" err="1" smtClean="0">
                 <a:latin typeface="PF Isotext Pro" pitchFamily="2" charset="0"/>
               </a:rPr>
-              <a:t>m</a:t>
-            </a:r>
-            <a:r>
-              <a:rPr lang="en-US" sz="2800" dirty="0" err="1" smtClean="0">
-                <a:latin typeface="PF Isotext Pro" pitchFamily="2" charset="0"/>
-              </a:rPr>
-              <a:t>vn</a:t>
+              <a:t>mvn</a:t>
             </a:r>
             <a:r>
               <a:rPr lang="en-US" sz="2800" dirty="0" smtClean="0">
@@ -18272,13 +18215,7 @@
               <a:rPr lang="en-US" sz="2800" dirty="0" err="1" smtClean="0">
                 <a:latin typeface="PF Isotext Pro" pitchFamily="2" charset="0"/>
               </a:rPr>
-              <a:t>m</a:t>
-            </a:r>
-            <a:r>
-              <a:rPr lang="en-US" sz="2800" dirty="0" err="1" smtClean="0">
-                <a:latin typeface="PF Isotext Pro" pitchFamily="2" charset="0"/>
-              </a:rPr>
-              <a:t>vn</a:t>
+              <a:t>mvn</a:t>
             </a:r>
             <a:r>
               <a:rPr lang="en-US" sz="2800" dirty="0" smtClean="0">
@@ -18306,13 +18243,7 @@
               <a:rPr lang="en-US" sz="2800" dirty="0" smtClean="0">
                 <a:latin typeface="PF Isotext Pro" pitchFamily="2" charset="0"/>
               </a:rPr>
-              <a:t>c</a:t>
-            </a:r>
-            <a:r>
-              <a:rPr lang="en-US" sz="2800" dirty="0" smtClean="0">
-                <a:latin typeface="PF Isotext Pro" pitchFamily="2" charset="0"/>
-              </a:rPr>
-              <a:t>p ./target/project.jar ./</a:t>
+              <a:t>cp ./target/project.jar ./</a:t>
             </a:r>
           </a:p>
           <a:p>
@@ -18325,48 +18256,39 @@
               <a:rPr lang="en-US" sz="2800" dirty="0" smtClean="0">
                 <a:latin typeface="PF Isotext Pro" pitchFamily="2" charset="0"/>
               </a:rPr>
-              <a:t>j</a:t>
+              <a:t>java –</a:t>
+            </a:r>
+            <a:r>
+              <a:rPr lang="en-US" sz="2800" dirty="0" err="1" smtClean="0">
+                <a:latin typeface="PF Isotext Pro" pitchFamily="2" charset="0"/>
+              </a:rPr>
+              <a:t>classpath</a:t>
             </a:r>
             <a:r>
               <a:rPr lang="en-US" sz="2800" dirty="0" smtClean="0">
                 <a:latin typeface="PF Isotext Pro" pitchFamily="2" charset="0"/>
               </a:rPr>
-              <a:t>ava –</a:t>
+              <a:t> project.jar </a:t>
             </a:r>
             <a:r>
               <a:rPr lang="en-US" sz="2800" dirty="0" err="1" smtClean="0">
                 <a:latin typeface="PF Isotext Pro" pitchFamily="2" charset="0"/>
               </a:rPr>
-              <a:t>classpath</a:t>
+              <a:t>path.to.Main</a:t>
             </a:r>
             <a:r>
               <a:rPr lang="en-US" sz="2800" dirty="0" smtClean="0">
                 <a:latin typeface="PF Isotext Pro" pitchFamily="2" charset="0"/>
               </a:rPr>
-              <a:t> project.jar </a:t>
-            </a:r>
-            <a:r>
-              <a:rPr lang="en-US" sz="2800" dirty="0" err="1" smtClean="0">
-                <a:latin typeface="PF Isotext Pro" pitchFamily="2" charset="0"/>
-              </a:rPr>
-              <a:t>path.to.Main</a:t>
-            </a:r>
-            <a:r>
-              <a:rPr lang="en-US" sz="2800" dirty="0" smtClean="0">
-                <a:latin typeface="PF Isotext Pro" pitchFamily="2" charset="0"/>
-              </a:rPr>
               <a:t> PORT</a:t>
             </a:r>
-            <a:endParaRPr lang="en-US" sz="2800" dirty="0" smtClean="0">
-              <a:latin typeface="PF Isotext Pro" pitchFamily="2" charset="0"/>
-            </a:endParaRPr>
           </a:p>
         </p:txBody>
       </p:sp>
     </p:spTree>
     <p:extLst>
       <p:ext uri="{BB962C8B-B14F-4D97-AF65-F5344CB8AC3E}">
-        <p14:creationId xmlns:p14="http://schemas.microsoft.com/office/powerpoint/2010/main" xmlns="" val="211479991"/>
+        <p14:creationId xmlns:p14="http://schemas.microsoft.com/office/powerpoint/2010/main" val="211479991"/>
       </p:ext>
     </p:extLst>
   </p:cSld>
@@ -18461,7 +18383,7 @@
         <p:spPr>
           <a:xfrm>
             <a:off x="440509" y="1622194"/>
-            <a:ext cx="8252554" cy="3970318"/>
+            <a:ext cx="8252554" cy="4832092"/>
           </a:xfrm>
           <a:prstGeom prst="rect">
             <a:avLst/>
@@ -18491,19 +18413,29 @@
               <a:rPr lang="en-US" sz="2800" dirty="0" smtClean="0">
                 <a:latin typeface="PF Isotext Pro" pitchFamily="2" charset="0"/>
               </a:rPr>
-              <a:t>a</a:t>
-            </a:r>
-            <a:r>
-              <a:rPr lang="en-US" sz="2800" dirty="0" smtClean="0">
-                <a:latin typeface="PF Isotext Pro" pitchFamily="2" charset="0"/>
-              </a:rPr>
-              <a:t>po21-N</a:t>
-            </a:r>
+              <a:t>apo21-N</a:t>
+            </a:r>
+          </a:p>
+          <a:p>
             <a:endParaRPr lang="en-US" sz="2800" dirty="0" smtClean="0">
               <a:latin typeface="PF Isotext Pro" pitchFamily="2" charset="0"/>
             </a:endParaRPr>
           </a:p>
           <a:p>
+            <a:r>
+              <a:rPr lang="en-US" sz="2800" dirty="0" err="1" smtClean="0">
+                <a:latin typeface="PF Isotext Pro" pitchFamily="2" charset="0"/>
+              </a:rPr>
+              <a:t>git</a:t>
+            </a:r>
+            <a:r>
+              <a:rPr lang="en-US" sz="2800" dirty="0" smtClean="0">
+                <a:latin typeface="PF Isotext Pro" pitchFamily="2" charset="0"/>
+              </a:rPr>
+              <a:t> clone</a:t>
+            </a:r>
+          </a:p>
+          <a:p>
             <a:endParaRPr lang="en-US" sz="2800" dirty="0" smtClean="0">
               <a:latin typeface="PF Isotext Pro" pitchFamily="2" charset="0"/>
             </a:endParaRPr>
@@ -18513,59 +18445,50 @@
               <a:rPr lang="en-US" sz="2800" dirty="0" err="1" smtClean="0">
                 <a:latin typeface="PF Isotext Pro" pitchFamily="2" charset="0"/>
               </a:rPr>
-              <a:t>g</a:t>
+              <a:t>mvn</a:t>
+            </a:r>
+            <a:r>
+              <a:rPr lang="en-US" sz="2800" dirty="0" smtClean="0">
+                <a:latin typeface="PF Isotext Pro" pitchFamily="2" charset="0"/>
+              </a:rPr>
+              <a:t> compile </a:t>
             </a:r>
             <a:r>
               <a:rPr lang="en-US" sz="2800" dirty="0" err="1" smtClean="0">
                 <a:latin typeface="PF Isotext Pro" pitchFamily="2" charset="0"/>
               </a:rPr>
-              <a:t>it</a:t>
+              <a:t>assembly:single</a:t>
             </a:r>
             <a:r>
               <a:rPr lang="en-US" sz="2800" dirty="0" smtClean="0">
                 <a:latin typeface="PF Isotext Pro" pitchFamily="2" charset="0"/>
               </a:rPr>
-              <a:t> clone</a:t>
-            </a:r>
-          </a:p>
-          <a:p>
+              <a:t> </a:t>
+            </a:r>
+          </a:p>
+          <a:p>
+            <a:endParaRPr lang="en-US" sz="2800" dirty="0">
+              <a:latin typeface="PF Isotext Pro" pitchFamily="2" charset="0"/>
+            </a:endParaRPr>
+          </a:p>
+          <a:p>
+            <a:r>
+              <a:rPr lang="en-US" sz="2800" dirty="0">
+                <a:latin typeface="PF Isotext Pro" pitchFamily="2" charset="0"/>
+              </a:rPr>
+              <a:t>c</a:t>
+            </a:r>
+            <a:r>
+              <a:rPr lang="en-US" sz="2800" dirty="0" smtClean="0">
+                <a:latin typeface="PF Isotext Pro" pitchFamily="2" charset="0"/>
+              </a:rPr>
+              <a:t>opy project.jar file</a:t>
+            </a:r>
             <a:endParaRPr lang="en-US" sz="2800" dirty="0" smtClean="0">
               <a:latin typeface="PF Isotext Pro" pitchFamily="2" charset="0"/>
             </a:endParaRPr>
           </a:p>
           <a:p>
-            <a:r>
-              <a:rPr lang="en-US" sz="2800" dirty="0" err="1" smtClean="0">
-                <a:latin typeface="PF Isotext Pro" pitchFamily="2" charset="0"/>
-              </a:rPr>
-              <a:t>m</a:t>
-            </a:r>
-            <a:r>
-              <a:rPr lang="en-US" sz="2800" dirty="0" err="1" smtClean="0">
-                <a:latin typeface="PF Isotext Pro" pitchFamily="2" charset="0"/>
-              </a:rPr>
-              <a:t>vn</a:t>
-            </a:r>
-            <a:r>
-              <a:rPr lang="en-US" sz="2800" dirty="0" smtClean="0">
-                <a:latin typeface="PF Isotext Pro" pitchFamily="2" charset="0"/>
-              </a:rPr>
-              <a:t> compile </a:t>
-            </a:r>
-            <a:r>
-              <a:rPr lang="en-US" sz="2800" dirty="0" err="1" smtClean="0">
-                <a:latin typeface="PF Isotext Pro" pitchFamily="2" charset="0"/>
-              </a:rPr>
-              <a:t>assemble:single</a:t>
-            </a:r>
-            <a:r>
-              <a:rPr lang="en-US" sz="2800" dirty="0" smtClean="0">
-                <a:latin typeface="PF Isotext Pro" pitchFamily="2" charset="0"/>
-              </a:rPr>
-              <a:t> + copy</a:t>
-            </a:r>
-          </a:p>
-          <a:p>
             <a:endParaRPr lang="en-US" sz="2800" dirty="0" smtClean="0">
               <a:latin typeface="PF Isotext Pro" pitchFamily="2" charset="0"/>
             </a:endParaRPr>
@@ -18575,48 +18498,39 @@
               <a:rPr lang="en-US" sz="2800" dirty="0" smtClean="0">
                 <a:latin typeface="PF Isotext Pro" pitchFamily="2" charset="0"/>
               </a:rPr>
-              <a:t>j</a:t>
+              <a:t>java –</a:t>
+            </a:r>
+            <a:r>
+              <a:rPr lang="en-US" sz="2800" dirty="0" err="1" smtClean="0">
+                <a:latin typeface="PF Isotext Pro" pitchFamily="2" charset="0"/>
+              </a:rPr>
+              <a:t>classpath</a:t>
             </a:r>
             <a:r>
               <a:rPr lang="en-US" sz="2800" dirty="0" smtClean="0">
                 <a:latin typeface="PF Isotext Pro" pitchFamily="2" charset="0"/>
               </a:rPr>
-              <a:t>ava –</a:t>
+              <a:t> project.jar </a:t>
             </a:r>
             <a:r>
               <a:rPr lang="en-US" sz="2800" dirty="0" err="1" smtClean="0">
                 <a:latin typeface="PF Isotext Pro" pitchFamily="2" charset="0"/>
               </a:rPr>
-              <a:t>classpath</a:t>
+              <a:t>path.to.Main</a:t>
             </a:r>
             <a:r>
               <a:rPr lang="en-US" sz="2800" dirty="0" smtClean="0">
                 <a:latin typeface="PF Isotext Pro" pitchFamily="2" charset="0"/>
               </a:rPr>
-              <a:t> project.jar </a:t>
-            </a:r>
-            <a:r>
-              <a:rPr lang="en-US" sz="2800" dirty="0" err="1" smtClean="0">
-                <a:latin typeface="PF Isotext Pro" pitchFamily="2" charset="0"/>
-              </a:rPr>
-              <a:t>path.to.Main</a:t>
-            </a:r>
-            <a:r>
-              <a:rPr lang="en-US" sz="2800" dirty="0" smtClean="0">
-                <a:latin typeface="PF Isotext Pro" pitchFamily="2" charset="0"/>
-              </a:rPr>
               <a:t> 808N</a:t>
             </a:r>
-            <a:endParaRPr lang="en-US" sz="2800" dirty="0" smtClean="0">
-              <a:latin typeface="PF Isotext Pro" pitchFamily="2" charset="0"/>
-            </a:endParaRPr>
           </a:p>
         </p:txBody>
       </p:sp>
     </p:spTree>
     <p:extLst>
       <p:ext uri="{BB962C8B-B14F-4D97-AF65-F5344CB8AC3E}">
-        <p14:creationId xmlns:p14="http://schemas.microsoft.com/office/powerpoint/2010/main" xmlns="" val="211479991"/>
+        <p14:creationId xmlns:p14="http://schemas.microsoft.com/office/powerpoint/2010/main" val="211479991"/>
       </p:ext>
     </p:extLst>
   </p:cSld>
@@ -18728,41 +18642,32 @@
               <a:rPr lang="en-US" sz="2800" dirty="0" smtClean="0">
                 <a:latin typeface="PF Isotext Pro" pitchFamily="2" charset="0"/>
               </a:rPr>
-              <a:t>c</a:t>
+              <a:t>curl http:/localhost:808N/</a:t>
+            </a:r>
+            <a:r>
+              <a:rPr lang="en-US" sz="2800" dirty="0" err="1" smtClean="0">
+                <a:latin typeface="PF Isotext Pro" pitchFamily="2" charset="0"/>
+              </a:rPr>
+              <a:t>admin?shutdown</a:t>
             </a:r>
             <a:r>
               <a:rPr lang="en-US" sz="2800" dirty="0" smtClean="0">
                 <a:latin typeface="PF Isotext Pro" pitchFamily="2" charset="0"/>
               </a:rPr>
-              <a:t>url http:/localhost:808N/</a:t>
-            </a:r>
-            <a:r>
-              <a:rPr lang="en-US" sz="2800" dirty="0" err="1" smtClean="0">
-                <a:latin typeface="PF Isotext Pro" pitchFamily="2" charset="0"/>
-              </a:rPr>
-              <a:t>admin?shutdown</a:t>
-            </a:r>
-            <a:r>
-              <a:rPr lang="en-US" sz="2800" dirty="0" smtClean="0">
-                <a:latin typeface="PF Isotext Pro" pitchFamily="2" charset="0"/>
-              </a:rPr>
               <a:t>=1000</a:t>
             </a:r>
+          </a:p>
+          <a:p>
             <a:endParaRPr lang="en-US" sz="2800" dirty="0" smtClean="0">
               <a:latin typeface="PF Isotext Pro" pitchFamily="2" charset="0"/>
             </a:endParaRPr>
           </a:p>
-          <a:p>
-            <a:endParaRPr lang="en-US" sz="2800" dirty="0" smtClean="0">
-              <a:latin typeface="PF Isotext Pro" pitchFamily="2" charset="0"/>
-            </a:endParaRPr>
-          </a:p>
         </p:txBody>
       </p:sp>
     </p:spTree>
     <p:extLst>
       <p:ext uri="{BB962C8B-B14F-4D97-AF65-F5344CB8AC3E}">
-        <p14:creationId xmlns:p14="http://schemas.microsoft.com/office/powerpoint/2010/main" xmlns="" val="211479991"/>
+        <p14:creationId xmlns:p14="http://schemas.microsoft.com/office/powerpoint/2010/main" val="211479991"/>
       </p:ext>
     </p:extLst>
   </p:cSld>
@@ -18856,7 +18761,7 @@
     </p:spTree>
     <p:extLst>
       <p:ext uri="{BB962C8B-B14F-4D97-AF65-F5344CB8AC3E}">
-        <p14:creationId xmlns:p14="http://schemas.microsoft.com/office/powerpoint/2010/main" xmlns="" val="1017296713"/>
+        <p14:creationId xmlns:p14="http://schemas.microsoft.com/office/powerpoint/2010/main" val="1017296713"/>
       </p:ext>
     </p:extLst>
   </p:cSld>
@@ -19428,7 +19333,7 @@
     </p:spTree>
     <p:extLst>
       <p:ext uri="{BB962C8B-B14F-4D97-AF65-F5344CB8AC3E}">
-        <p14:creationId xmlns:p14="http://schemas.microsoft.com/office/powerpoint/2010/main" xmlns="" val="1256283866"/>
+        <p14:creationId xmlns:p14="http://schemas.microsoft.com/office/powerpoint/2010/main" val="1256283866"/>
       </p:ext>
     </p:extLst>
   </p:cSld>
@@ -20259,7 +20164,7 @@
     </p:spTree>
     <p:extLst>
       <p:ext uri="{BB962C8B-B14F-4D97-AF65-F5344CB8AC3E}">
-        <p14:creationId xmlns:p14="http://schemas.microsoft.com/office/powerpoint/2010/main" xmlns="" val="3149938791"/>
+        <p14:creationId xmlns:p14="http://schemas.microsoft.com/office/powerpoint/2010/main" val="3149938791"/>
       </p:ext>
     </p:extLst>
   </p:cSld>
@@ -20930,7 +20835,7 @@
     </p:spTree>
     <p:extLst>
       <p:ext uri="{BB962C8B-B14F-4D97-AF65-F5344CB8AC3E}">
-        <p14:creationId xmlns:p14="http://schemas.microsoft.com/office/powerpoint/2010/main" xmlns="" val="1995768547"/>
+        <p14:creationId xmlns:p14="http://schemas.microsoft.com/office/powerpoint/2010/main" val="1995768547"/>
       </p:ext>
     </p:extLst>
   </p:cSld>
@@ -21891,7 +21796,7 @@
     </p:spTree>
     <p:extLst>
       <p:ext uri="{BB962C8B-B14F-4D97-AF65-F5344CB8AC3E}">
-        <p14:creationId xmlns:p14="http://schemas.microsoft.com/office/powerpoint/2010/main" xmlns="" val="4088703114"/>
+        <p14:creationId xmlns:p14="http://schemas.microsoft.com/office/powerpoint/2010/main" val="4088703114"/>
       </p:ext>
     </p:extLst>
   </p:cSld>
@@ -22338,7 +22243,7 @@
     </p:spTree>
     <p:extLst>
       <p:ext uri="{BB962C8B-B14F-4D97-AF65-F5344CB8AC3E}">
-        <p14:creationId xmlns:p14="http://schemas.microsoft.com/office/powerpoint/2010/main" xmlns="" val="3357441600"/>
+        <p14:creationId xmlns:p14="http://schemas.microsoft.com/office/powerpoint/2010/main" val="3357441600"/>
       </p:ext>
     </p:extLst>
   </p:cSld>
@@ -23734,7 +23639,7 @@
     </p:spTree>
     <p:extLst>
       <p:ext uri="{BB962C8B-B14F-4D97-AF65-F5344CB8AC3E}">
-        <p14:creationId xmlns:p14="http://schemas.microsoft.com/office/powerpoint/2010/main" xmlns="" val="2925566564"/>
+        <p14:creationId xmlns:p14="http://schemas.microsoft.com/office/powerpoint/2010/main" val="2925566564"/>
       </p:ext>
     </p:extLst>
   </p:cSld>
